--- a/High School/Modern Electricity and Electronics/Unit 5 - Parallel Circuits/Section 1 - Parallel Circuits/Assets/Unit 5 - Section 1 - Parallel Circuits.pptx
+++ b/High School/Modern Electricity and Electronics/Unit 5 - Parallel Circuits/Section 1 - Parallel Circuits/Assets/Unit 5 - Section 1 - Parallel Circuits.pptx
@@ -229,7 +229,7 @@
           <a:p>
             <a:fld id="{6AC4FB8F-ED15-48AB-97BD-17129D4E699D}" type="datetimeFigureOut">
               <a:rPr lang="en-US" smtClean="0"/>
-              <a:t>11/7/2018</a:t>
+              <a:t>11/13/2018</a:t>
             </a:fld>
             <a:endParaRPr lang="en-US" dirty="0"/>
           </a:p>
@@ -394,7 +394,7 @@
           <a:p>
             <a:fld id="{BBC9D437-CD83-4825-AD0D-5E7B341BC79B}" type="datetimeFigureOut">
               <a:rPr lang="en-US" smtClean="0"/>
-              <a:t>11/7/2018</a:t>
+              <a:t>11/13/2018</a:t>
             </a:fld>
             <a:endParaRPr lang="en-US" dirty="0"/>
           </a:p>
@@ -887,7 +887,7 @@
           <a:p>
             <a:fld id="{85AB7CBB-843F-464A-A764-71D6ADC27CFA}" type="datetime1">
               <a:rPr lang="en-US" smtClean="0"/>
-              <a:t>11/7/2018</a:t>
+              <a:t>11/13/2018</a:t>
             </a:fld>
             <a:endParaRPr lang="en-US" dirty="0"/>
           </a:p>
@@ -1112,7 +1112,7 @@
           <a:p>
             <a:fld id="{CBEFC03D-3A1F-4813-9337-02411FCC3A9A}" type="datetime1">
               <a:rPr lang="en-US" smtClean="0"/>
-              <a:t>11/7/2018</a:t>
+              <a:t>11/13/2018</a:t>
             </a:fld>
             <a:endParaRPr lang="en-US" dirty="0"/>
           </a:p>
@@ -1384,7 +1384,7 @@
           <a:p>
             <a:fld id="{3D638F79-DFA0-4C26-9553-23A017B69AB6}" type="datetime1">
               <a:rPr lang="en-US" smtClean="0"/>
-              <a:t>11/7/2018</a:t>
+              <a:t>11/13/2018</a:t>
             </a:fld>
             <a:endParaRPr lang="en-US" dirty="0"/>
           </a:p>
@@ -1495,7 +1495,7 @@
           <a:p>
             <a:fld id="{AA615CA6-EC4D-4728-8AA6-534BE7E9B67C}" type="datetime1">
               <a:rPr lang="en-US" smtClean="0"/>
-              <a:t>11/7/2018</a:t>
+              <a:t>11/13/2018</a:t>
             </a:fld>
             <a:endParaRPr lang="en-US" dirty="0"/>
           </a:p>
@@ -1680,7 +1680,7 @@
           <a:p>
             <a:fld id="{A70B34E7-E1D9-4FBF-A1A0-4009669A00BF}" type="datetime1">
               <a:rPr lang="en-US" smtClean="0"/>
-              <a:t>11/7/2018</a:t>
+              <a:t>11/13/2018</a:t>
             </a:fld>
             <a:endParaRPr lang="en-US" dirty="0"/>
           </a:p>
@@ -2040,7 +2040,7 @@
           <a:p>
             <a:fld id="{20EBB0C4-6273-4C6E-B9BD-2EDC30F1CD52}" type="datetimeFigureOut">
               <a:rPr lang="en-US" smtClean="0"/>
-              <a:t>11/7/2018</a:t>
+              <a:t>11/13/2018</a:t>
             </a:fld>
             <a:endParaRPr lang="en-US" dirty="0"/>
           </a:p>
@@ -2327,7 +2327,7 @@
           <a:p>
             <a:fld id="{7579E8B6-2F47-420B-83EA-EB2285D13EC9}" type="datetime1">
               <a:rPr lang="en-US" smtClean="0"/>
-              <a:t>11/7/2018</a:t>
+              <a:t>11/13/2018</a:t>
             </a:fld>
             <a:endParaRPr lang="en-US" dirty="0"/>
           </a:p>
@@ -2722,7 +2722,7 @@
           <a:p>
             <a:fld id="{2304803D-B10E-4B90-8456-A0E05393E233}" type="datetime1">
               <a:rPr lang="en-US" smtClean="0"/>
-              <a:t>11/7/2018</a:t>
+              <a:t>11/13/2018</a:t>
             </a:fld>
             <a:endParaRPr lang="en-US" dirty="0"/>
           </a:p>
@@ -2856,7 +2856,7 @@
           <a:p>
             <a:fld id="{CCE1E62F-6CCE-4064-96C2-2084AF883904}" type="datetime1">
               <a:rPr lang="en-US" smtClean="0"/>
-              <a:t>11/7/2018</a:t>
+              <a:t>11/13/2018</a:t>
             </a:fld>
             <a:endParaRPr lang="en-US" dirty="0"/>
           </a:p>
@@ -3043,7 +3043,7 @@
           <a:p>
             <a:fld id="{AA615CA6-EC4D-4728-8AA6-534BE7E9B67C}" type="datetime1">
               <a:rPr lang="en-US" smtClean="0"/>
-              <a:t>11/7/2018</a:t>
+              <a:t>11/13/2018</a:t>
             </a:fld>
             <a:endParaRPr lang="en-US" dirty="0"/>
           </a:p>
@@ -3413,7 +3413,7 @@
           <a:p>
             <a:fld id="{A6139942-0A2E-443A-842F-D6DE74360370}" type="datetime1">
               <a:rPr lang="en-US" smtClean="0"/>
-              <a:t>11/7/2018</a:t>
+              <a:t>11/13/2018</a:t>
             </a:fld>
             <a:endParaRPr lang="en-US" dirty="0"/>
           </a:p>
@@ -3806,7 +3806,7 @@
           <a:p>
             <a:fld id="{C9CAD897-D46E-4AD2-BD9B-49DD3E640873}" type="datetimeFigureOut">
               <a:rPr lang="en-US" smtClean="0"/>
-              <a:t>11/7/2018</a:t>
+              <a:t>11/13/2018</a:t>
             </a:fld>
             <a:endParaRPr lang="en-US" dirty="0"/>
           </a:p>
@@ -3859,7 +3859,7 @@
           <p:cNvPr id="10" name="Rectangle 9">
             <a:extLst>
               <a:ext uri="{FF2B5EF4-FFF2-40B4-BE49-F238E27FC236}">
-                <a16:creationId xmlns="" xmlns:a16="http://schemas.microsoft.com/office/drawing/2014/main" id="{3DD56F55-9FC0-474B-ADC4-A77A47F498E4}"/>
+                <a16:creationId xmlns:a16="http://schemas.microsoft.com/office/drawing/2014/main" id="{3DD56F55-9FC0-474B-ADC4-A77A47F498E4}"/>
               </a:ext>
             </a:extLst>
           </p:cNvPr>
@@ -4157,7 +4157,7 @@
           <a:p>
             <a:fld id="{3F138946-C5C1-4A11-BA69-F12F43F8A94B}" type="datetime1">
               <a:rPr lang="en-US" smtClean="0"/>
-              <a:t>11/7/2018</a:t>
+              <a:t>11/13/2018</a:t>
             </a:fld>
             <a:endParaRPr lang="en-US" dirty="0"/>
           </a:p>
@@ -4757,35 +4757,17 @@
           <a:p>
             <a:r>
               <a:rPr lang="en-US" dirty="0"/>
-              <a:t>Unit 5</a:t>
-            </a:r>
-            <a:r>
-              <a:rPr lang="en-US" dirty="0" smtClean="0"/>
-              <a:t> </a:t>
-            </a:r>
+              <a:t>Unit 5 – parallel Circuits</a:t>
+            </a:r>
+          </a:p>
+          <a:p>
+            <a:endParaRPr lang="en-US" dirty="0"/>
+          </a:p>
+          <a:p>
             <a:r>
               <a:rPr lang="en-US" dirty="0"/>
-              <a:t>– </a:t>
-            </a:r>
-            <a:r>
-              <a:rPr lang="en-US" dirty="0" smtClean="0"/>
-              <a:t>parallel Circuits</a:t>
-            </a:r>
-            <a:endParaRPr lang="en-US" dirty="0"/>
-          </a:p>
-          <a:p>
-            <a:endParaRPr lang="en-US" dirty="0"/>
-          </a:p>
-          <a:p>
-            <a:r>
-              <a:rPr lang="en-US" dirty="0"/>
-              <a:t>Section 1 – </a:t>
-            </a:r>
-            <a:r>
-              <a:rPr lang="en-US" dirty="0" smtClean="0"/>
-              <a:t>parallel Circuits</a:t>
-            </a:r>
-            <a:endParaRPr lang="en-US" dirty="0"/>
+              <a:t>Section 1 – parallel Circuits</a:t>
+            </a:r>
           </a:p>
         </p:txBody>
       </p:sp>
@@ -4794,7 +4776,7 @@
           <p:cNvPr id="4" name="Footer Placeholder 3">
             <a:extLst>
               <a:ext uri="{FF2B5EF4-FFF2-40B4-BE49-F238E27FC236}">
-                <a16:creationId xmlns="" xmlns:a16="http://schemas.microsoft.com/office/drawing/2014/main" id="{1BD89EEB-0D82-48BB-B45A-39C4807CF951}"/>
+                <a16:creationId xmlns:a16="http://schemas.microsoft.com/office/drawing/2014/main" id="{1BD89EEB-0D82-48BB-B45A-39C4807CF951}"/>
               </a:ext>
             </a:extLst>
           </p:cNvPr>
@@ -4864,7 +4846,7 @@
           <p:cNvPr id="3" name="Title 2">
             <a:extLst>
               <a:ext uri="{FF2B5EF4-FFF2-40B4-BE49-F238E27FC236}">
-                <a16:creationId xmlns="" xmlns:a16="http://schemas.microsoft.com/office/drawing/2014/main" id="{61FE92F8-77C6-424F-B54E-4C239A21B1F2}"/>
+                <a16:creationId xmlns:a16="http://schemas.microsoft.com/office/drawing/2014/main" id="{61FE92F8-77C6-424F-B54E-4C239A21B1F2}"/>
               </a:ext>
             </a:extLst>
           </p:cNvPr>
@@ -4881,10 +4863,9 @@
           <a:lstStyle/>
           <a:p>
             <a:r>
-              <a:rPr lang="en-US" dirty="0" smtClean="0"/>
+              <a:rPr lang="en-US" dirty="0"/>
               <a:t>Parallel Circuit Voltage and Current</a:t>
             </a:r>
-            <a:endParaRPr lang="en-US" dirty="0"/>
           </a:p>
         </p:txBody>
       </p:sp>
@@ -4893,7 +4874,7 @@
           <p:cNvPr id="4" name="Content Placeholder 3">
             <a:extLst>
               <a:ext uri="{FF2B5EF4-FFF2-40B4-BE49-F238E27FC236}">
-                <a16:creationId xmlns="" xmlns:a16="http://schemas.microsoft.com/office/drawing/2014/main" id="{9C3FE4B5-F3EC-4E7C-B5BC-DAD01C73B1D2}"/>
+                <a16:creationId xmlns:a16="http://schemas.microsoft.com/office/drawing/2014/main" id="{9C3FE4B5-F3EC-4E7C-B5BC-DAD01C73B1D2}"/>
               </a:ext>
             </a:extLst>
           </p:cNvPr>
@@ -4914,11 +4895,11 @@
               <a:buChar char="§"/>
             </a:pPr>
             <a:r>
-              <a:rPr lang="en-US" dirty="0" smtClean="0"/>
+              <a:rPr lang="en-US" dirty="0"/>
               <a:t> Because the loads are connected across the line the energy source provides the </a:t>
             </a:r>
             <a:r>
-              <a:rPr lang="en-US" sz="2400" b="1" dirty="0" smtClean="0"/>
+              <a:rPr lang="en-US" sz="2400" b="1" dirty="0"/>
               <a:t>same voltage to the loads</a:t>
             </a:r>
           </a:p>
@@ -4928,7 +4909,7 @@
               <a:buChar char="§"/>
             </a:pPr>
             <a:r>
-              <a:rPr lang="en-US" dirty="0" smtClean="0"/>
+              <a:rPr lang="en-US" dirty="0"/>
               <a:t>In series there was voltage drop between the loads</a:t>
             </a:r>
           </a:p>
@@ -4939,11 +4920,7 @@
             </a:pPr>
             <a:r>
               <a:rPr lang="en-US" dirty="0"/>
-              <a:t> </a:t>
-            </a:r>
-            <a:r>
-              <a:rPr lang="en-US" dirty="0" smtClean="0"/>
-              <a:t>The total current however is distributed among the branches</a:t>
+              <a:t> The total current however is distributed among the branches</a:t>
             </a:r>
           </a:p>
           <a:p>
@@ -4953,11 +4930,7 @@
             </a:pPr>
             <a:r>
               <a:rPr lang="en-US" dirty="0"/>
-              <a:t> </a:t>
-            </a:r>
-            <a:r>
-              <a:rPr lang="en-US" dirty="0" smtClean="0"/>
-              <a:t>The amount of current can be found by using Ohm’s Law ( I = V/R )</a:t>
+              <a:t> The amount of current can be found by using Ohm’s Law ( I = V/R )</a:t>
             </a:r>
           </a:p>
           <a:p>
@@ -4966,7 +4939,7 @@
               <a:buChar char="§"/>
             </a:pPr>
             <a:r>
-              <a:rPr lang="en-US" dirty="0" smtClean="0"/>
+              <a:rPr lang="en-US" dirty="0"/>
               <a:t> The lower the resistance is in any branch the greater the current</a:t>
             </a:r>
           </a:p>
@@ -4977,11 +4950,7 @@
             </a:pPr>
             <a:r>
               <a:rPr lang="en-US" dirty="0"/>
-              <a:t> </a:t>
-            </a:r>
-            <a:r>
-              <a:rPr lang="en-US" dirty="0" smtClean="0"/>
-              <a:t>Lights and small appliances that operates at the same voltage require different amounts of current and is why they would be connected in parallel</a:t>
+              <a:t> Lights and small appliances that operates at the same voltage require different amounts of current and is why they would be connected in parallel</a:t>
             </a:r>
           </a:p>
           <a:p>
@@ -4989,7 +4958,7 @@
               <a:buFont typeface="Wingdings" panose="05000000000000000000" pitchFamily="2" charset="2"/>
               <a:buChar char="§"/>
             </a:pPr>
-            <a:endParaRPr lang="en-US" dirty="0" smtClean="0"/>
+            <a:endParaRPr lang="en-US" dirty="0"/>
           </a:p>
           <a:p>
             <a:pPr marL="0" indent="0">
@@ -5010,7 +4979,7 @@
           <p:cNvPr id="2" name="Footer Placeholder 1">
             <a:extLst>
               <a:ext uri="{FF2B5EF4-FFF2-40B4-BE49-F238E27FC236}">
-                <a16:creationId xmlns="" xmlns:a16="http://schemas.microsoft.com/office/drawing/2014/main" id="{3169940A-D601-46D9-AC57-F80B8F8998B8}"/>
+                <a16:creationId xmlns:a16="http://schemas.microsoft.com/office/drawing/2014/main" id="{3169940A-D601-46D9-AC57-F80B8F8998B8}"/>
               </a:ext>
             </a:extLst>
           </p:cNvPr>
@@ -5097,13 +5066,6 @@
       </p:transition>
     </mc:Fallback>
   </mc:AlternateContent>
-  <p:timing>
-    <p:tnLst>
-      <p:par>
-        <p:cTn id="1" dur="indefinite" restart="never" nodeType="tmRoot"/>
-      </p:par>
-    </p:tnLst>
-  </p:timing>
 </p:sld>
 </file>
 
@@ -5140,10 +5102,9 @@
           <a:lstStyle/>
           <a:p>
             <a:r>
-              <a:rPr lang="en-US" dirty="0" smtClean="0"/>
+              <a:rPr lang="en-US" dirty="0"/>
               <a:t>Parallel Resistance Formulas</a:t>
             </a:r>
-            <a:endParaRPr lang="en-US" dirty="0"/>
           </a:p>
         </p:txBody>
       </p:sp>
@@ -5166,43 +5127,43 @@
               <a:buNone/>
             </a:pPr>
             <a:r>
-              <a:rPr lang="en-US" sz="4000" b="1" dirty="0" smtClean="0"/>
+              <a:rPr lang="en-US" sz="4000" b="1" dirty="0"/>
               <a:t>1/</a:t>
             </a:r>
             <a:r>
-              <a:rPr lang="en-US" sz="4000" b="1" dirty="0" err="1" smtClean="0"/>
+              <a:rPr lang="en-US" sz="4000" b="1" dirty="0" err="1"/>
               <a:t>R</a:t>
             </a:r>
             <a:r>
-              <a:rPr lang="en-US" sz="4000" b="1" baseline="-25000" dirty="0" err="1" smtClean="0"/>
+              <a:rPr lang="en-US" sz="4000" b="1" baseline="-25000" dirty="0" err="1"/>
               <a:t>t</a:t>
             </a:r>
             <a:r>
-              <a:rPr lang="en-US" sz="4000" b="1" dirty="0" smtClean="0"/>
+              <a:rPr lang="en-US" sz="4000" b="1" dirty="0"/>
               <a:t> = 1/R</a:t>
             </a:r>
             <a:r>
-              <a:rPr lang="en-US" sz="4000" b="1" baseline="-25000" dirty="0" smtClean="0"/>
+              <a:rPr lang="en-US" sz="4000" b="1" baseline="-25000" dirty="0"/>
               <a:t>1</a:t>
             </a:r>
             <a:r>
-              <a:rPr lang="en-US" sz="4000" b="1" dirty="0" smtClean="0"/>
+              <a:rPr lang="en-US" sz="4000" b="1" dirty="0"/>
               <a:t> + 1/R</a:t>
             </a:r>
             <a:r>
-              <a:rPr lang="en-US" sz="4000" b="1" baseline="-25000" dirty="0" smtClean="0"/>
+              <a:rPr lang="en-US" sz="4000" b="1" baseline="-25000" dirty="0"/>
               <a:t>2</a:t>
             </a:r>
             <a:r>
-              <a:rPr lang="en-US" sz="4000" b="1" dirty="0" smtClean="0"/>
+              <a:rPr lang="en-US" sz="4000" b="1" dirty="0"/>
               <a:t> + 1/R</a:t>
             </a:r>
             <a:r>
-              <a:rPr lang="en-US" sz="4000" b="1" baseline="-25000" dirty="0" smtClean="0"/>
+              <a:rPr lang="en-US" sz="4000" b="1" baseline="-25000" dirty="0"/>
               <a:t>3</a:t>
             </a:r>
             <a:r>
-              <a:rPr lang="en-US" sz="4000" b="1" dirty="0" smtClean="0"/>
+              <a:rPr lang="en-US" sz="4000" b="1" dirty="0"/>
               <a:t> + …</a:t>
             </a:r>
             <a:endParaRPr lang="en-US" dirty="0"/>
@@ -5213,14 +5174,9 @@
               <a:buChar char="§"/>
             </a:pPr>
             <a:r>
-              <a:rPr lang="en-US" dirty="0" smtClean="0"/>
-              <a:t> REMEMBER* </a:t>
-            </a:r>
-            <a:r>
               <a:rPr lang="en-US" dirty="0"/>
-              <a:t>The total resistance of a parallel circuit is NOT equal to the sum of the resistors</a:t>
-            </a:r>
-            <a:endParaRPr lang="en-US" dirty="0"/>
+              <a:t> REMEMBER* The total resistance of a parallel circuit is NOT equal to the sum of the resistors</a:t>
+            </a:r>
           </a:p>
         </p:txBody>
       </p:sp>
@@ -5240,7 +5196,7 @@
           <a:lstStyle/>
           <a:p>
             <a:r>
-              <a:rPr lang="en-US" smtClean="0"/>
+              <a:rPr lang="en-US"/>
               <a:t>Add a footer</a:t>
             </a:r>
             <a:endParaRPr lang="en-US" dirty="0"/>
@@ -5346,10 +5302,9 @@
           <a:lstStyle/>
           <a:p>
             <a:r>
-              <a:rPr lang="en-US" dirty="0" smtClean="0"/>
+              <a:rPr lang="en-US" dirty="0"/>
               <a:t>Parallel Resistance Formulas</a:t>
             </a:r>
-            <a:endParaRPr lang="en-US" dirty="0"/>
           </a:p>
         </p:txBody>
       </p:sp>
@@ -5378,12 +5333,8 @@
               <a:buChar char="§"/>
             </a:pPr>
             <a:r>
-              <a:rPr lang="en-US" b="1" dirty="0" smtClean="0"/>
-              <a:t> Let's summarize </a:t>
-            </a:r>
-            <a:r>
               <a:rPr lang="en-US" b="1" dirty="0"/>
-              <a:t>this EXAMPLE:</a:t>
+              <a:t> Let's summarize this EXAMPLE:</a:t>
             </a:r>
           </a:p>
           <a:p>
@@ -5435,7 +5386,7 @@
           <a:lstStyle/>
           <a:p>
             <a:r>
-              <a:rPr lang="en-US" smtClean="0"/>
+              <a:rPr lang="en-US"/>
               <a:t>Add a footer</a:t>
             </a:r>
             <a:endParaRPr lang="en-US" dirty="0"/>
@@ -5541,10 +5492,9 @@
           <a:lstStyle/>
           <a:p>
             <a:r>
-              <a:rPr lang="en-US" dirty="0" smtClean="0"/>
+              <a:rPr lang="en-US" dirty="0"/>
               <a:t>Parallel Resistance Formulas</a:t>
             </a:r>
-            <a:endParaRPr lang="en-US" dirty="0"/>
           </a:p>
         </p:txBody>
       </p:sp>
@@ -5558,7 +5508,7 @@
             <p:ph idx="1"/>
             <p:extLst>
               <p:ext uri="{D42A27DB-BD31-4B8C-83A1-F6EECF244321}">
-                <p14:modId xmlns:p14="http://schemas.microsoft.com/office/powerpoint/2010/main" val="4069915875"/>
+                <p14:modId xmlns:p14="http://schemas.microsoft.com/office/powerpoint/2010/main" val="19275606"/>
               </p:ext>
             </p:extLst>
           </p:nvPr>
@@ -5572,10 +5522,34 @@
             <a:tbl>
               <a:tblPr/>
               <a:tblGrid>
-                <a:gridCol w="1032704"/>
-                <a:gridCol w="1088525"/>
-                <a:gridCol w="1088525"/>
-                <a:gridCol w="1060613"/>
+                <a:gridCol w="1032704">
+                  <a:extLst>
+                    <a:ext uri="{9D8B030D-6E8A-4147-A177-3AD203B41FA5}">
+                      <a16:colId xmlns:a16="http://schemas.microsoft.com/office/drawing/2014/main" val="20000"/>
+                    </a:ext>
+                  </a:extLst>
+                </a:gridCol>
+                <a:gridCol w="1088525">
+                  <a:extLst>
+                    <a:ext uri="{9D8B030D-6E8A-4147-A177-3AD203B41FA5}">
+                      <a16:colId xmlns:a16="http://schemas.microsoft.com/office/drawing/2014/main" val="20001"/>
+                    </a:ext>
+                  </a:extLst>
+                </a:gridCol>
+                <a:gridCol w="1088525">
+                  <a:extLst>
+                    <a:ext uri="{9D8B030D-6E8A-4147-A177-3AD203B41FA5}">
+                      <a16:colId xmlns:a16="http://schemas.microsoft.com/office/drawing/2014/main" val="20002"/>
+                    </a:ext>
+                  </a:extLst>
+                </a:gridCol>
+                <a:gridCol w="1060613">
+                  <a:extLst>
+                    <a:ext uri="{9D8B030D-6E8A-4147-A177-3AD203B41FA5}">
+                      <a16:colId xmlns:a16="http://schemas.microsoft.com/office/drawing/2014/main" val="20003"/>
+                    </a:ext>
+                  </a:extLst>
+                </a:gridCol>
               </a:tblGrid>
               <a:tr h="2619365">
                 <a:tc>
@@ -5584,29 +5558,29 @@
                     <a:lstStyle/>
                     <a:p>
                       <a:r>
-                        <a:rPr lang="en-US">
+                        <a:rPr lang="en-US" dirty="0">
                           <a:effectLst/>
                         </a:rPr>
                         <a:t>1</a:t>
                       </a:r>
                       <a:br>
-                        <a:rPr lang="en-US">
+                        <a:rPr lang="en-US" dirty="0">
                           <a:effectLst/>
                         </a:rPr>
                       </a:br>
                       <a:r>
-                        <a:rPr lang="en-US">
+                        <a:rPr lang="en-US" dirty="0">
                           <a:effectLst/>
                         </a:rPr>
-                        <a:t>— - =</a:t>
+                        <a:t>— =</a:t>
                       </a:r>
                       <a:br>
-                        <a:rPr lang="en-US">
+                        <a:rPr lang="en-US" dirty="0">
                           <a:effectLst/>
                         </a:rPr>
                       </a:br>
                       <a:r>
-                        <a:rPr lang="en-US">
+                        <a:rPr lang="en-US" dirty="0">
                           <a:effectLst/>
                         </a:rPr>
                         <a:t>Rt</a:t>
@@ -5637,21 +5611,21 @@
                     <a:lstStyle/>
                     <a:p>
                       <a:r>
-                        <a:rPr lang="en-US"/>
+                        <a:rPr lang="en-US" dirty="0"/>
                         <a:t>1</a:t>
                       </a:r>
                       <a:br>
-                        <a:rPr lang="en-US"/>
+                        <a:rPr lang="en-US" dirty="0"/>
                       </a:br>
                       <a:r>
-                        <a:rPr lang="en-US"/>
-                        <a:t>— - +</a:t>
+                        <a:rPr lang="en-US" dirty="0"/>
+                        <a:t>— +</a:t>
                       </a:r>
                       <a:br>
-                        <a:rPr lang="en-US"/>
+                        <a:rPr lang="en-US" dirty="0"/>
                       </a:br>
                       <a:r>
-                        <a:rPr lang="en-US"/>
+                        <a:rPr lang="en-US" dirty="0"/>
                         <a:t>R1</a:t>
                       </a:r>
                     </a:p>
@@ -5680,21 +5654,21 @@
                     <a:lstStyle/>
                     <a:p>
                       <a:r>
-                        <a:rPr lang="en-US"/>
+                        <a:rPr lang="en-US" dirty="0"/>
                         <a:t>1</a:t>
                       </a:r>
                       <a:br>
-                        <a:rPr lang="en-US"/>
+                        <a:rPr lang="en-US" dirty="0"/>
                       </a:br>
                       <a:r>
-                        <a:rPr lang="en-US"/>
-                        <a:t>— - +</a:t>
+                        <a:rPr lang="en-US" dirty="0"/>
+                        <a:t>— +</a:t>
                       </a:r>
                       <a:br>
-                        <a:rPr lang="en-US"/>
+                        <a:rPr lang="en-US" dirty="0"/>
                       </a:br>
                       <a:r>
-                        <a:rPr lang="en-US"/>
+                        <a:rPr lang="en-US" dirty="0"/>
                         <a:t>R2</a:t>
                       </a:r>
                     </a:p>
@@ -5731,7 +5705,7 @@
                       </a:br>
                       <a:r>
                         <a:rPr lang="en-US" dirty="0"/>
-                        <a:t>— -</a:t>
+                        <a:t>—</a:t>
                       </a:r>
                       <a:br>
                         <a:rPr lang="en-US" dirty="0"/>
@@ -5760,6 +5734,11 @@
                     </a:solidFill>
                   </a:tcPr>
                 </a:tc>
+                <a:extLst>
+                  <a:ext uri="{0D108BD9-81ED-4DB2-BD59-A6C34878D82A}">
+                    <a16:rowId xmlns:a16="http://schemas.microsoft.com/office/drawing/2014/main" val="10000"/>
+                  </a:ext>
+                </a:extLst>
               </a:tr>
             </a:tbl>
           </a:graphicData>
@@ -5781,7 +5760,7 @@
           <a:lstStyle/>
           <a:p>
             <a:r>
-              <a:rPr lang="en-US" smtClean="0"/>
+              <a:rPr lang="en-US"/>
               <a:t>Add a footer</a:t>
             </a:r>
             <a:endParaRPr lang="en-US" dirty="0"/>
@@ -5887,10 +5866,9 @@
           <a:lstStyle/>
           <a:p>
             <a:r>
-              <a:rPr lang="en-US" dirty="0" smtClean="0"/>
+              <a:rPr lang="en-US" dirty="0"/>
               <a:t>Parallel Resistance Formulas</a:t>
             </a:r>
-            <a:endParaRPr lang="en-US" dirty="0"/>
           </a:p>
         </p:txBody>
       </p:sp>
@@ -5910,7 +5888,7 @@
           <a:lstStyle/>
           <a:p>
             <a:r>
-              <a:rPr lang="en-US" smtClean="0"/>
+              <a:rPr lang="en-US"/>
               <a:t>Add a footer</a:t>
             </a:r>
             <a:endParaRPr lang="en-US" dirty="0"/>
@@ -5968,7 +5946,7 @@
             <p:ph idx="1"/>
             <p:extLst>
               <p:ext uri="{D42A27DB-BD31-4B8C-83A1-F6EECF244321}">
-                <p14:modId xmlns:p14="http://schemas.microsoft.com/office/powerpoint/2010/main" val="4145126997"/>
+                <p14:modId xmlns:p14="http://schemas.microsoft.com/office/powerpoint/2010/main" val="1504854870"/>
               </p:ext>
             </p:extLst>
           </p:nvPr>
@@ -5982,10 +5960,34 @@
             <a:tbl>
               <a:tblPr/>
               <a:tblGrid>
-                <a:gridCol w="1069610"/>
-                <a:gridCol w="1127427"/>
-                <a:gridCol w="1127427"/>
-                <a:gridCol w="1098517"/>
+                <a:gridCol w="1069610">
+                  <a:extLst>
+                    <a:ext uri="{9D8B030D-6E8A-4147-A177-3AD203B41FA5}">
+                      <a16:colId xmlns:a16="http://schemas.microsoft.com/office/drawing/2014/main" val="20000"/>
+                    </a:ext>
+                  </a:extLst>
+                </a:gridCol>
+                <a:gridCol w="1127427">
+                  <a:extLst>
+                    <a:ext uri="{9D8B030D-6E8A-4147-A177-3AD203B41FA5}">
+                      <a16:colId xmlns:a16="http://schemas.microsoft.com/office/drawing/2014/main" val="20001"/>
+                    </a:ext>
+                  </a:extLst>
+                </a:gridCol>
+                <a:gridCol w="1127427">
+                  <a:extLst>
+                    <a:ext uri="{9D8B030D-6E8A-4147-A177-3AD203B41FA5}">
+                      <a16:colId xmlns:a16="http://schemas.microsoft.com/office/drawing/2014/main" val="20002"/>
+                    </a:ext>
+                  </a:extLst>
+                </a:gridCol>
+                <a:gridCol w="1098517">
+                  <a:extLst>
+                    <a:ext uri="{9D8B030D-6E8A-4147-A177-3AD203B41FA5}">
+                      <a16:colId xmlns:a16="http://schemas.microsoft.com/office/drawing/2014/main" val="20003"/>
+                    </a:ext>
+                  </a:extLst>
+                </a:gridCol>
               </a:tblGrid>
               <a:tr h="2249706">
                 <a:tc>
@@ -5994,29 +5996,29 @@
                     <a:lstStyle/>
                     <a:p>
                       <a:r>
-                        <a:rPr lang="en-US">
+                        <a:rPr lang="en-US" dirty="0">
                           <a:effectLst/>
                         </a:rPr>
                         <a:t>1</a:t>
                       </a:r>
                       <a:br>
-                        <a:rPr lang="en-US">
+                        <a:rPr lang="en-US" dirty="0">
                           <a:effectLst/>
                         </a:rPr>
                       </a:br>
                       <a:r>
-                        <a:rPr lang="en-US">
+                        <a:rPr lang="en-US" dirty="0">
                           <a:effectLst/>
                         </a:rPr>
-                        <a:t>— - =</a:t>
+                        <a:t>— =</a:t>
                       </a:r>
                       <a:br>
-                        <a:rPr lang="en-US">
+                        <a:rPr lang="en-US" dirty="0">
                           <a:effectLst/>
                         </a:rPr>
                       </a:br>
                       <a:r>
-                        <a:rPr lang="en-US">
+                        <a:rPr lang="en-US" dirty="0">
                           <a:effectLst/>
                         </a:rPr>
                         <a:t>Rt</a:t>
@@ -6047,64 +6049,21 @@
                     <a:lstStyle/>
                     <a:p>
                       <a:r>
-                        <a:rPr lang="en-US"/>
+                        <a:rPr lang="en-US" dirty="0"/>
                         <a:t>1</a:t>
                       </a:r>
                       <a:br>
-                        <a:rPr lang="en-US"/>
+                        <a:rPr lang="en-US" dirty="0"/>
                       </a:br>
                       <a:r>
-                        <a:rPr lang="en-US"/>
-                        <a:t>— - +</a:t>
+                        <a:rPr lang="en-US" dirty="0"/>
+                        <a:t>— +</a:t>
                       </a:r>
                       <a:br>
-                        <a:rPr lang="en-US"/>
+                        <a:rPr lang="en-US" dirty="0"/>
                       </a:br>
                       <a:r>
-                        <a:rPr lang="en-US"/>
-                        <a:t>4</a:t>
-                      </a:r>
-                    </a:p>
-                  </a:txBody>
-                  <a:tcPr anchor="ctr">
-                    <a:lnL>
-                      <a:noFill/>
-                    </a:lnL>
-                    <a:lnR>
-                      <a:noFill/>
-                    </a:lnR>
-                    <a:lnT>
-                      <a:noFill/>
-                    </a:lnT>
-                    <a:lnB>
-                      <a:noFill/>
-                    </a:lnB>
-                    <a:solidFill>
-                      <a:srgbClr val="FFFFFF"/>
-                    </a:solidFill>
-                  </a:tcPr>
-                </a:tc>
-                <a:tc>
-                  <a:txBody>
-                    <a:bodyPr/>
-                    <a:lstStyle/>
-                    <a:p>
-                      <a:r>
-                        <a:rPr lang="en-US"/>
-                        <a:t>1</a:t>
-                      </a:r>
-                      <a:br>
-                        <a:rPr lang="en-US"/>
-                      </a:br>
-                      <a:r>
-                        <a:rPr lang="en-US"/>
-                        <a:t>— - +</a:t>
-                      </a:r>
-                      <a:br>
-                        <a:rPr lang="en-US"/>
-                      </a:br>
-                      <a:r>
-                        <a:rPr lang="en-US"/>
+                        <a:rPr lang="en-US" dirty="0"/>
                         <a:t>4</a:t>
                       </a:r>
                     </a:p>
@@ -6141,7 +6100,50 @@
                       </a:br>
                       <a:r>
                         <a:rPr lang="en-US" dirty="0"/>
-                        <a:t>— -</a:t>
+                        <a:t>— +</a:t>
+                      </a:r>
+                      <a:br>
+                        <a:rPr lang="en-US" dirty="0"/>
+                      </a:br>
+                      <a:r>
+                        <a:rPr lang="en-US" dirty="0"/>
+                        <a:t>4</a:t>
+                      </a:r>
+                    </a:p>
+                  </a:txBody>
+                  <a:tcPr anchor="ctr">
+                    <a:lnL>
+                      <a:noFill/>
+                    </a:lnL>
+                    <a:lnR>
+                      <a:noFill/>
+                    </a:lnR>
+                    <a:lnT>
+                      <a:noFill/>
+                    </a:lnT>
+                    <a:lnB>
+                      <a:noFill/>
+                    </a:lnB>
+                    <a:solidFill>
+                      <a:srgbClr val="FFFFFF"/>
+                    </a:solidFill>
+                  </a:tcPr>
+                </a:tc>
+                <a:tc>
+                  <a:txBody>
+                    <a:bodyPr/>
+                    <a:lstStyle/>
+                    <a:p>
+                      <a:r>
+                        <a:rPr lang="en-US" dirty="0"/>
+                        <a:t>1</a:t>
+                      </a:r>
+                      <a:br>
+                        <a:rPr lang="en-US" dirty="0"/>
+                      </a:br>
+                      <a:r>
+                        <a:rPr lang="en-US" dirty="0"/>
+                        <a:t>—</a:t>
                       </a:r>
                       <a:br>
                         <a:rPr lang="en-US" dirty="0"/>
@@ -6170,6 +6172,11 @@
                     </a:solidFill>
                   </a:tcPr>
                 </a:tc>
+                <a:extLst>
+                  <a:ext uri="{0D108BD9-81ED-4DB2-BD59-A6C34878D82A}">
+                    <a16:rowId xmlns:a16="http://schemas.microsoft.com/office/drawing/2014/main" val="10000"/>
+                  </a:ext>
+                </a:extLst>
               </a:tr>
             </a:tbl>
           </a:graphicData>
@@ -6233,10 +6240,9 @@
           <a:lstStyle/>
           <a:p>
             <a:r>
-              <a:rPr lang="en-US" dirty="0" smtClean="0"/>
+              <a:rPr lang="en-US" dirty="0"/>
               <a:t>Parallel Resistance Formulas</a:t>
             </a:r>
-            <a:endParaRPr lang="en-US" dirty="0"/>
           </a:p>
         </p:txBody>
       </p:sp>
@@ -6256,7 +6262,7 @@
           <a:lstStyle/>
           <a:p>
             <a:r>
-              <a:rPr lang="en-US" smtClean="0"/>
+              <a:rPr lang="en-US"/>
               <a:t>Add a footer</a:t>
             </a:r>
             <a:endParaRPr lang="en-US" dirty="0"/>
@@ -6335,24 +6341,20 @@
               <a:buChar char="§"/>
             </a:pPr>
             <a:r>
-              <a:rPr lang="en-US" dirty="0" smtClean="0"/>
+              <a:rPr lang="en-US" dirty="0"/>
               <a:t> 1/</a:t>
             </a:r>
             <a:r>
-              <a:rPr lang="en-US" dirty="0" err="1" smtClean="0"/>
+              <a:rPr lang="en-US" dirty="0" err="1"/>
               <a:t>R</a:t>
             </a:r>
             <a:r>
-              <a:rPr lang="en-US" baseline="-25000" dirty="0" err="1" smtClean="0"/>
+              <a:rPr lang="en-US" baseline="-25000" dirty="0" err="1"/>
               <a:t>t</a:t>
             </a:r>
             <a:r>
-              <a:rPr lang="en-US" dirty="0" smtClean="0"/>
-              <a:t> </a:t>
-            </a:r>
-            <a:r>
               <a:rPr lang="en-US" dirty="0"/>
-              <a:t>= .25 + .25 + .5</a:t>
+              <a:t> = .25 + .25 + .5</a:t>
             </a:r>
           </a:p>
           <a:p>
@@ -6361,24 +6363,20 @@
               <a:buChar char="§"/>
             </a:pPr>
             <a:r>
-              <a:rPr lang="en-US" dirty="0" smtClean="0"/>
+              <a:rPr lang="en-US" dirty="0"/>
               <a:t> 1/</a:t>
             </a:r>
             <a:r>
-              <a:rPr lang="en-US" dirty="0" err="1" smtClean="0"/>
+              <a:rPr lang="en-US" dirty="0" err="1"/>
               <a:t>R</a:t>
             </a:r>
             <a:r>
-              <a:rPr lang="en-US" baseline="-25000" dirty="0" err="1" smtClean="0"/>
+              <a:rPr lang="en-US" baseline="-25000" dirty="0" err="1"/>
               <a:t>t</a:t>
             </a:r>
             <a:r>
-              <a:rPr lang="en-US" dirty="0" smtClean="0"/>
-              <a:t> </a:t>
-            </a:r>
-            <a:r>
               <a:rPr lang="en-US" dirty="0"/>
-              <a:t>= 1</a:t>
+              <a:t> = 1</a:t>
             </a:r>
           </a:p>
           <a:p>
@@ -6444,10 +6442,9 @@
           <a:lstStyle/>
           <a:p>
             <a:r>
-              <a:rPr lang="en-US" dirty="0" smtClean="0"/>
+              <a:rPr lang="en-US" dirty="0"/>
               <a:t>Parallel Resistance Formulas</a:t>
             </a:r>
-            <a:endParaRPr lang="en-US" dirty="0"/>
           </a:p>
         </p:txBody>
       </p:sp>
@@ -6467,7 +6464,7 @@
           <a:lstStyle/>
           <a:p>
             <a:r>
-              <a:rPr lang="en-US" smtClean="0"/>
+              <a:rPr lang="en-US"/>
               <a:t>Add a footer</a:t>
             </a:r>
             <a:endParaRPr lang="en-US" dirty="0"/>
@@ -6546,24 +6543,20 @@
               <a:buChar char="§"/>
             </a:pPr>
             <a:r>
-              <a:rPr lang="en-US" dirty="0" smtClean="0"/>
+              <a:rPr lang="en-US" dirty="0"/>
               <a:t> </a:t>
             </a:r>
             <a:r>
-              <a:rPr lang="en-US" dirty="0" err="1" smtClean="0"/>
+              <a:rPr lang="en-US" dirty="0" err="1"/>
               <a:t>R</a:t>
             </a:r>
             <a:r>
-              <a:rPr lang="en-US" baseline="-25000" dirty="0" err="1" smtClean="0"/>
+              <a:rPr lang="en-US" baseline="-25000" dirty="0" err="1"/>
               <a:t>t</a:t>
             </a:r>
             <a:r>
-              <a:rPr lang="en-US" dirty="0" smtClean="0"/>
-              <a:t> </a:t>
-            </a:r>
-            <a:r>
               <a:rPr lang="en-US" dirty="0"/>
-              <a:t>= 1/1</a:t>
+              <a:t> = 1/1</a:t>
             </a:r>
           </a:p>
           <a:p>
@@ -6572,24 +6565,20 @@
               <a:buChar char="§"/>
             </a:pPr>
             <a:r>
-              <a:rPr lang="en-US" dirty="0" smtClean="0"/>
+              <a:rPr lang="en-US" dirty="0"/>
               <a:t> </a:t>
             </a:r>
             <a:r>
-              <a:rPr lang="en-US" dirty="0" err="1" smtClean="0"/>
+              <a:rPr lang="en-US" dirty="0" err="1"/>
               <a:t>R</a:t>
             </a:r>
             <a:r>
-              <a:rPr lang="en-US" baseline="-25000" dirty="0" err="1" smtClean="0"/>
+              <a:rPr lang="en-US" baseline="-25000" dirty="0" err="1"/>
               <a:t>t</a:t>
             </a:r>
             <a:r>
-              <a:rPr lang="en-US" dirty="0" smtClean="0"/>
-              <a:t> </a:t>
-            </a:r>
-            <a:r>
               <a:rPr lang="en-US" dirty="0"/>
-              <a:t>= 1 Ohms</a:t>
+              <a:t> = 1 Ohms</a:t>
             </a:r>
           </a:p>
           <a:p>
@@ -6644,7 +6633,7 @@
           <p:cNvPr id="2" name="Title 1">
             <a:extLst>
               <a:ext uri="{FF2B5EF4-FFF2-40B4-BE49-F238E27FC236}">
-                <a16:creationId xmlns="" xmlns:a16="http://schemas.microsoft.com/office/drawing/2014/main" id="{7AAD9E9C-644B-40CF-8B60-7CD77F3EAC65}"/>
+                <a16:creationId xmlns:a16="http://schemas.microsoft.com/office/drawing/2014/main" id="{7AAD9E9C-644B-40CF-8B60-7CD77F3EAC65}"/>
               </a:ext>
             </a:extLst>
           </p:cNvPr>
@@ -6661,10 +6650,9 @@
           <a:lstStyle/>
           <a:p>
             <a:r>
-              <a:rPr lang="en-US" dirty="0" smtClean="0"/>
+              <a:rPr lang="en-US" dirty="0"/>
               <a:t>Parallel Circuits</a:t>
             </a:r>
-            <a:endParaRPr lang="en-US" dirty="0"/>
           </a:p>
         </p:txBody>
       </p:sp>
@@ -6673,7 +6661,7 @@
           <p:cNvPr id="3" name="Text Placeholder 2">
             <a:extLst>
               <a:ext uri="{FF2B5EF4-FFF2-40B4-BE49-F238E27FC236}">
-                <a16:creationId xmlns="" xmlns:a16="http://schemas.microsoft.com/office/drawing/2014/main" id="{F1416FA5-60EE-4E88-BF08-02C91A452D67}"/>
+                <a16:creationId xmlns:a16="http://schemas.microsoft.com/office/drawing/2014/main" id="{F1416FA5-60EE-4E88-BF08-02C91A452D67}"/>
               </a:ext>
             </a:extLst>
           </p:cNvPr>
@@ -6690,10 +6678,9 @@
           <a:lstStyle/>
           <a:p>
             <a:r>
-              <a:rPr lang="en-US" dirty="0" smtClean="0"/>
+              <a:rPr lang="en-US" dirty="0"/>
               <a:t>Parallel Circuits</a:t>
             </a:r>
-            <a:endParaRPr lang="en-US" dirty="0"/>
           </a:p>
         </p:txBody>
       </p:sp>
@@ -6702,7 +6689,7 @@
           <p:cNvPr id="4" name="Footer Placeholder 3">
             <a:extLst>
               <a:ext uri="{FF2B5EF4-FFF2-40B4-BE49-F238E27FC236}">
-                <a16:creationId xmlns="" xmlns:a16="http://schemas.microsoft.com/office/drawing/2014/main" id="{C38F2B1D-5AE8-4375-BC2B-5E2210E6B93D}"/>
+                <a16:creationId xmlns:a16="http://schemas.microsoft.com/office/drawing/2014/main" id="{C38F2B1D-5AE8-4375-BC2B-5E2210E6B93D}"/>
               </a:ext>
             </a:extLst>
           </p:cNvPr>
@@ -6809,13 +6796,7 @@
               <a:rPr lang="en-US" dirty="0">
                 <a:cs typeface="Arial" pitchFamily="34" charset="0"/>
               </a:rPr>
-              <a:t> </a:t>
-            </a:r>
-            <a:r>
-              <a:rPr lang="en-US" dirty="0" smtClean="0">
-                <a:cs typeface="Arial" pitchFamily="34" charset="0"/>
-              </a:rPr>
-              <a:t>Ability to draw and label a parallel circuit and indicate the polarity at each resistor</a:t>
+              <a:t> Ability to draw and label a parallel circuit and indicate the polarity at each resistor</a:t>
             </a:r>
           </a:p>
           <a:p>
@@ -6827,13 +6808,7 @@
               <a:rPr lang="en-US" dirty="0">
                 <a:cs typeface="Arial" pitchFamily="34" charset="0"/>
               </a:rPr>
-              <a:t> </a:t>
-            </a:r>
-            <a:r>
-              <a:rPr lang="en-US" dirty="0" smtClean="0">
-                <a:cs typeface="Arial" pitchFamily="34" charset="0"/>
-              </a:rPr>
-              <a:t>Define the term overloaded circuit</a:t>
+              <a:t> Define the term overloaded circuit</a:t>
             </a:r>
           </a:p>
           <a:p>
@@ -6845,13 +6820,7 @@
               <a:rPr lang="en-US" dirty="0">
                 <a:cs typeface="Arial" pitchFamily="34" charset="0"/>
               </a:rPr>
-              <a:t> </a:t>
-            </a:r>
-            <a:r>
-              <a:rPr lang="en-US" dirty="0" smtClean="0">
-                <a:cs typeface="Arial" pitchFamily="34" charset="0"/>
-              </a:rPr>
-              <a:t>Use the three parallel-resistance formulas</a:t>
+              <a:t> Use the three parallel-resistance formulas</a:t>
             </a:r>
           </a:p>
           <a:p>
@@ -6863,13 +6832,7 @@
               <a:rPr lang="en-US" dirty="0">
                 <a:cs typeface="Arial" pitchFamily="34" charset="0"/>
               </a:rPr>
-              <a:t> </a:t>
-            </a:r>
-            <a:r>
-              <a:rPr lang="en-US" dirty="0" smtClean="0">
-                <a:cs typeface="Arial" pitchFamily="34" charset="0"/>
-              </a:rPr>
-              <a:t>Calculate the equivalent resistance of a parallel circuit</a:t>
+              <a:t> Calculate the equivalent resistance of a parallel circuit</a:t>
             </a:r>
           </a:p>
           <a:p>
@@ -6881,13 +6844,7 @@
               <a:rPr lang="en-US" dirty="0">
                 <a:cs typeface="Arial" pitchFamily="34" charset="0"/>
               </a:rPr>
-              <a:t> </a:t>
-            </a:r>
-            <a:r>
-              <a:rPr lang="en-US" dirty="0" smtClean="0">
-                <a:cs typeface="Arial" pitchFamily="34" charset="0"/>
-              </a:rPr>
-              <a:t>Calculate the total resistance, the total current, and the branch current in a parallel circuit\</a:t>
+              <a:t> Calculate the total resistance, the total current, and the branch current in a parallel circuit\</a:t>
             </a:r>
           </a:p>
           <a:p>
@@ -6899,13 +6856,7 @@
               <a:rPr lang="en-US" dirty="0">
                 <a:cs typeface="Arial" pitchFamily="34" charset="0"/>
               </a:rPr>
-              <a:t> </a:t>
-            </a:r>
-            <a:r>
-              <a:rPr lang="en-US" dirty="0" smtClean="0">
-                <a:cs typeface="Arial" pitchFamily="34" charset="0"/>
-              </a:rPr>
-              <a:t>Connect batteries in parallel to increase current capacity</a:t>
+              <a:t> Connect batteries in parallel to increase current capacity</a:t>
             </a:r>
           </a:p>
         </p:txBody>
@@ -6915,7 +6866,7 @@
           <p:cNvPr id="4" name="Footer Placeholder 3">
             <a:extLst>
               <a:ext uri="{FF2B5EF4-FFF2-40B4-BE49-F238E27FC236}">
-                <a16:creationId xmlns="" xmlns:a16="http://schemas.microsoft.com/office/drawing/2014/main" id="{EADFB87E-2A3F-4815-8F5E-3CF3521EBF24}"/>
+                <a16:creationId xmlns:a16="http://schemas.microsoft.com/office/drawing/2014/main" id="{EADFB87E-2A3F-4815-8F5E-3CF3521EBF24}"/>
               </a:ext>
             </a:extLst>
           </p:cNvPr>
@@ -6985,7 +6936,7 @@
           <p:cNvPr id="2" name="Title 1">
             <a:extLst>
               <a:ext uri="{FF2B5EF4-FFF2-40B4-BE49-F238E27FC236}">
-                <a16:creationId xmlns="" xmlns:a16="http://schemas.microsoft.com/office/drawing/2014/main" id="{A9A59EAC-E562-4BC9-8C64-94279948AFFC}"/>
+                <a16:creationId xmlns:a16="http://schemas.microsoft.com/office/drawing/2014/main" id="{A9A59EAC-E562-4BC9-8C64-94279948AFFC}"/>
               </a:ext>
             </a:extLst>
           </p:cNvPr>
@@ -7013,7 +6964,7 @@
           <p:cNvPr id="3" name="Content Placeholder 2">
             <a:extLst>
               <a:ext uri="{FF2B5EF4-FFF2-40B4-BE49-F238E27FC236}">
-                <a16:creationId xmlns="" xmlns:a16="http://schemas.microsoft.com/office/drawing/2014/main" id="{72CB055A-E28B-4CFE-BB6B-F6FC961EE3B7}"/>
+                <a16:creationId xmlns:a16="http://schemas.microsoft.com/office/drawing/2014/main" id="{72CB055A-E28B-4CFE-BB6B-F6FC961EE3B7}"/>
               </a:ext>
             </a:extLst>
           </p:cNvPr>
@@ -7032,56 +6983,55 @@
           <a:lstStyle/>
           <a:p>
             <a:r>
-              <a:rPr lang="en-US" dirty="0" smtClean="0"/>
+              <a:rPr lang="en-US" dirty="0"/>
               <a:t>Booster battery</a:t>
             </a:r>
           </a:p>
           <a:p>
             <a:r>
-              <a:rPr lang="en-US" dirty="0" smtClean="0"/>
+              <a:rPr lang="en-US" dirty="0"/>
               <a:t>Branch circuit</a:t>
             </a:r>
           </a:p>
           <a:p>
             <a:r>
-              <a:rPr lang="en-US" dirty="0" smtClean="0"/>
+              <a:rPr lang="en-US" dirty="0"/>
               <a:t>Equivalent resistance</a:t>
             </a:r>
           </a:p>
           <a:p>
             <a:r>
-              <a:rPr lang="en-US" dirty="0" err="1" smtClean="0"/>
+              <a:rPr lang="en-US" dirty="0" err="1"/>
               <a:t>Kirchoff’s</a:t>
             </a:r>
             <a:r>
-              <a:rPr lang="en-US" dirty="0" smtClean="0"/>
+              <a:rPr lang="en-US" dirty="0"/>
               <a:t> current law</a:t>
             </a:r>
           </a:p>
           <a:p>
             <a:r>
-              <a:rPr lang="en-US" dirty="0" smtClean="0"/>
+              <a:rPr lang="en-US" dirty="0"/>
               <a:t>Overload</a:t>
             </a:r>
           </a:p>
           <a:p>
             <a:r>
-              <a:rPr lang="en-US" dirty="0" smtClean="0"/>
+              <a:rPr lang="en-US" dirty="0"/>
               <a:t>Parallel circuit</a:t>
             </a:r>
           </a:p>
           <a:p>
             <a:r>
-              <a:rPr lang="en-US" dirty="0" smtClean="0"/>
+              <a:rPr lang="en-US" dirty="0"/>
               <a:t>Shunt connection</a:t>
             </a:r>
           </a:p>
           <a:p>
             <a:r>
-              <a:rPr lang="en-US" dirty="0" smtClean="0"/>
+              <a:rPr lang="en-US" dirty="0"/>
               <a:t>Total current</a:t>
             </a:r>
-            <a:endParaRPr lang="en-US" dirty="0"/>
           </a:p>
         </p:txBody>
       </p:sp>
@@ -7090,7 +7040,7 @@
           <p:cNvPr id="4" name="Footer Placeholder 3">
             <a:extLst>
               <a:ext uri="{FF2B5EF4-FFF2-40B4-BE49-F238E27FC236}">
-                <a16:creationId xmlns="" xmlns:a16="http://schemas.microsoft.com/office/drawing/2014/main" id="{8BF08373-69FD-4A8A-970C-9B614DF2131A}"/>
+                <a16:creationId xmlns:a16="http://schemas.microsoft.com/office/drawing/2014/main" id="{8BF08373-69FD-4A8A-970C-9B614DF2131A}"/>
               </a:ext>
             </a:extLst>
           </p:cNvPr>
@@ -7161,7 +7111,7 @@
           <p:cNvPr id="2" name="Title 1">
             <a:extLst>
               <a:ext uri="{FF2B5EF4-FFF2-40B4-BE49-F238E27FC236}">
-                <a16:creationId xmlns="" xmlns:a16="http://schemas.microsoft.com/office/drawing/2014/main" id="{BBFF0D00-89FD-4E98-BEB1-3C14257420EC}"/>
+                <a16:creationId xmlns:a16="http://schemas.microsoft.com/office/drawing/2014/main" id="{BBFF0D00-89FD-4E98-BEB1-3C14257420EC}"/>
               </a:ext>
             </a:extLst>
           </p:cNvPr>
@@ -7189,7 +7139,7 @@
           <p:cNvPr id="3" name="Content Placeholder 2">
             <a:extLst>
               <a:ext uri="{FF2B5EF4-FFF2-40B4-BE49-F238E27FC236}">
-                <a16:creationId xmlns="" xmlns:a16="http://schemas.microsoft.com/office/drawing/2014/main" id="{A7BA6B08-D3F4-43CD-81E4-5A5504F85073}"/>
+                <a16:creationId xmlns:a16="http://schemas.microsoft.com/office/drawing/2014/main" id="{A7BA6B08-D3F4-43CD-81E4-5A5504F85073}"/>
               </a:ext>
             </a:extLst>
           </p:cNvPr>
@@ -7265,7 +7215,7 @@
           <p:cNvPr id="4" name="Footer Placeholder 3">
             <a:extLst>
               <a:ext uri="{FF2B5EF4-FFF2-40B4-BE49-F238E27FC236}">
-                <a16:creationId xmlns="" xmlns:a16="http://schemas.microsoft.com/office/drawing/2014/main" id="{7C35F161-54A9-47C9-BB10-85BDF717D57D}"/>
+                <a16:creationId xmlns:a16="http://schemas.microsoft.com/office/drawing/2014/main" id="{7C35F161-54A9-47C9-BB10-85BDF717D57D}"/>
               </a:ext>
             </a:extLst>
           </p:cNvPr>
@@ -7311,13 +7261,6 @@
       </p:transition>
     </mc:Fallback>
   </mc:AlternateContent>
-  <p:timing>
-    <p:tnLst>
-      <p:par>
-        <p:cTn id="1" dur="indefinite" restart="never" nodeType="tmRoot"/>
-      </p:par>
-    </p:tnLst>
-  </p:timing>
 </p:sld>
 </file>
 
@@ -7343,7 +7286,7 @@
           <p:cNvPr id="3" name="Title 2">
             <a:extLst>
               <a:ext uri="{FF2B5EF4-FFF2-40B4-BE49-F238E27FC236}">
-                <a16:creationId xmlns="" xmlns:a16="http://schemas.microsoft.com/office/drawing/2014/main" id="{61FE92F8-77C6-424F-B54E-4C239A21B1F2}"/>
+                <a16:creationId xmlns:a16="http://schemas.microsoft.com/office/drawing/2014/main" id="{61FE92F8-77C6-424F-B54E-4C239A21B1F2}"/>
               </a:ext>
             </a:extLst>
           </p:cNvPr>
@@ -7360,10 +7303,9 @@
           <a:lstStyle/>
           <a:p>
             <a:r>
-              <a:rPr lang="en-US" dirty="0" smtClean="0"/>
+              <a:rPr lang="en-US" dirty="0"/>
               <a:t>Parallel Circuit</a:t>
             </a:r>
-            <a:endParaRPr lang="en-US" dirty="0"/>
           </a:p>
         </p:txBody>
       </p:sp>
@@ -7372,7 +7314,7 @@
           <p:cNvPr id="4" name="Content Placeholder 3">
             <a:extLst>
               <a:ext uri="{FF2B5EF4-FFF2-40B4-BE49-F238E27FC236}">
-                <a16:creationId xmlns="" xmlns:a16="http://schemas.microsoft.com/office/drawing/2014/main" id="{9C3FE4B5-F3EC-4E7C-B5BC-DAD01C73B1D2}"/>
+                <a16:creationId xmlns:a16="http://schemas.microsoft.com/office/drawing/2014/main" id="{9C3FE4B5-F3EC-4E7C-B5BC-DAD01C73B1D2}"/>
               </a:ext>
             </a:extLst>
           </p:cNvPr>
@@ -7393,7 +7335,7 @@
               <a:buChar char="§"/>
             </a:pPr>
             <a:r>
-              <a:rPr lang="en-US" dirty="0" smtClean="0"/>
+              <a:rPr lang="en-US" dirty="0"/>
               <a:t> The loads are connected “across the line”</a:t>
             </a:r>
           </a:p>
@@ -7403,7 +7345,7 @@
               <a:buChar char="§"/>
             </a:pPr>
             <a:r>
-              <a:rPr lang="en-US" dirty="0" smtClean="0"/>
+              <a:rPr lang="en-US" dirty="0"/>
               <a:t>Meaning that they are connected between two conductors that lead to the energy source</a:t>
             </a:r>
           </a:p>
@@ -7414,14 +7356,10 @@
             </a:pPr>
             <a:r>
               <a:rPr lang="en-US" dirty="0"/>
-              <a:t> </a:t>
-            </a:r>
-            <a:r>
-              <a:rPr lang="en-US" dirty="0" smtClean="0"/>
-              <a:t>The loads and their connecting wires are called </a:t>
-            </a:r>
-            <a:r>
-              <a:rPr lang="en-US" b="1" dirty="0" smtClean="0"/>
+              <a:t> The loads and their connecting wires are called </a:t>
+            </a:r>
+            <a:r>
+              <a:rPr lang="en-US" b="1" dirty="0"/>
               <a:t>Branch Circuits</a:t>
             </a:r>
           </a:p>
@@ -7431,19 +7369,19 @@
               <a:buChar char="§"/>
             </a:pPr>
             <a:r>
-              <a:rPr lang="en-US" dirty="0" smtClean="0"/>
+              <a:rPr lang="en-US" dirty="0"/>
               <a:t>All can be called </a:t>
             </a:r>
             <a:r>
-              <a:rPr lang="en-US" b="1" dirty="0" smtClean="0"/>
+              <a:rPr lang="en-US" b="1" dirty="0"/>
               <a:t>multiple connections </a:t>
             </a:r>
             <a:r>
-              <a:rPr lang="en-US" dirty="0" smtClean="0"/>
+              <a:rPr lang="en-US" dirty="0"/>
               <a:t>and </a:t>
             </a:r>
             <a:r>
-              <a:rPr lang="en-US" b="1" dirty="0" smtClean="0"/>
+              <a:rPr lang="en-US" b="1" dirty="0"/>
               <a:t>shunt connections</a:t>
             </a:r>
           </a:p>
@@ -7457,7 +7395,7 @@
               <a:t> </a:t>
             </a:r>
             <a:r>
-              <a:rPr lang="en-US" dirty="0" smtClean="0"/>
+              <a:rPr lang="en-US" dirty="0"/>
               <a:t>In parallel the loads operate independently</a:t>
             </a:r>
           </a:p>
@@ -7467,7 +7405,7 @@
               <a:buChar char="§"/>
             </a:pPr>
             <a:r>
-              <a:rPr lang="en-US" dirty="0" smtClean="0"/>
+              <a:rPr lang="en-US" dirty="0"/>
               <a:t> If one branch is disconnected, turned off, or burned open (light bulb) the remaining branches can continue to operate</a:t>
             </a:r>
           </a:p>
@@ -7490,7 +7428,7 @@
           <p:cNvPr id="2" name="Footer Placeholder 1">
             <a:extLst>
               <a:ext uri="{FF2B5EF4-FFF2-40B4-BE49-F238E27FC236}">
-                <a16:creationId xmlns="" xmlns:a16="http://schemas.microsoft.com/office/drawing/2014/main" id="{3169940A-D601-46D9-AC57-F80B8F8998B8}"/>
+                <a16:creationId xmlns:a16="http://schemas.microsoft.com/office/drawing/2014/main" id="{3169940A-D601-46D9-AC57-F80B8F8998B8}"/>
               </a:ext>
             </a:extLst>
           </p:cNvPr>
@@ -7536,13 +7474,6 @@
       </p:transition>
     </mc:Fallback>
   </mc:AlternateContent>
-  <p:timing>
-    <p:tnLst>
-      <p:par>
-        <p:cTn id="1" dur="indefinite" restart="never" nodeType="tmRoot"/>
-      </p:par>
-    </p:tnLst>
-  </p:timing>
 </p:sld>
 </file>
 
@@ -7579,10 +7510,9 @@
           <a:lstStyle/>
           <a:p>
             <a:r>
-              <a:rPr lang="en-US" dirty="0" smtClean="0"/>
+              <a:rPr lang="en-US" dirty="0"/>
               <a:t>Parallel Circuit Example</a:t>
             </a:r>
-            <a:endParaRPr lang="en-US" dirty="0"/>
           </a:p>
         </p:txBody>
       </p:sp>
@@ -7602,7 +7532,7 @@
           <a:lstStyle/>
           <a:p>
             <a:r>
-              <a:rPr lang="en-US" smtClean="0"/>
+              <a:rPr lang="en-US"/>
               <a:t>Add a footer</a:t>
             </a:r>
             <a:endParaRPr lang="en-US" dirty="0"/>
@@ -7708,10 +7638,9 @@
           <a:lstStyle/>
           <a:p>
             <a:r>
-              <a:rPr lang="en-US" dirty="0" smtClean="0"/>
+              <a:rPr lang="en-US" dirty="0"/>
               <a:t>Parallel Circuit Example</a:t>
             </a:r>
-            <a:endParaRPr lang="en-US" dirty="0"/>
           </a:p>
         </p:txBody>
       </p:sp>
@@ -7731,7 +7660,7 @@
           <a:lstStyle/>
           <a:p>
             <a:r>
-              <a:rPr lang="en-US" smtClean="0"/>
+              <a:rPr lang="en-US"/>
               <a:t>Add a footer</a:t>
             </a:r>
             <a:endParaRPr lang="en-US" dirty="0"/>
@@ -7837,10 +7766,9 @@
           <a:lstStyle/>
           <a:p>
             <a:r>
-              <a:rPr lang="en-US" dirty="0" smtClean="0"/>
+              <a:rPr lang="en-US" dirty="0"/>
               <a:t>Parallel Circuit Example</a:t>
             </a:r>
-            <a:endParaRPr lang="en-US" dirty="0"/>
           </a:p>
         </p:txBody>
       </p:sp>
@@ -7860,7 +7788,7 @@
           <a:lstStyle/>
           <a:p>
             <a:r>
-              <a:rPr lang="en-US" smtClean="0"/>
+              <a:rPr lang="en-US"/>
               <a:t>Add a footer</a:t>
             </a:r>
             <a:endParaRPr lang="en-US" dirty="0"/>
